--- a/milestone2presentation.pptx
+++ b/milestone2presentation.pptx
@@ -8202,10 +8202,10 @@
               <a:buNone/>
             </a:pPr>
             <a:r>
-              <a:rPr lang="en"/>
+              <a:rPr lang="en" dirty="0"/>
               <a:t>Android Minimal - TODO</a:t>
             </a:r>
-            <a:endParaRPr/>
+            <a:endParaRPr dirty="0"/>
           </a:p>
           <a:p>
             <a:pPr marL="0" lvl="0" indent="0" algn="l" rtl="0">
@@ -8218,7 +8218,7 @@
               <a:buNone/>
             </a:pPr>
             <a:r>
-              <a:rPr lang="en" sz="1100" u="sng">
+              <a:rPr lang="en" sz="1100" u="sng" dirty="0">
                 <a:solidFill>
                   <a:schemeClr val="hlink"/>
                 </a:solidFill>
@@ -8230,7 +8230,7 @@
               </a:rPr>
               <a:t>https://github.com/avjinder/Minimal-Todo</a:t>
             </a:r>
-            <a:endParaRPr/>
+            <a:endParaRPr dirty="0"/>
           </a:p>
         </p:txBody>
       </p:sp>

--- a/milestone2presentation.pptx
+++ b/milestone2presentation.pptx
@@ -8467,7 +8467,7 @@
         </p:nvSpPr>
         <p:spPr>
           <a:xfrm>
-            <a:off x="311700" y="410000"/>
+            <a:off x="290435" y="116363"/>
             <a:ext cx="8520600" cy="607800"/>
           </a:xfrm>
           <a:prstGeom prst="rect">
@@ -8509,8 +8509,8 @@
         </p:nvSpPr>
         <p:spPr>
           <a:xfrm>
-            <a:off x="311700" y="1229875"/>
-            <a:ext cx="8520600" cy="3339000"/>
+            <a:off x="311700" y="609488"/>
+            <a:ext cx="8520600" cy="3959387"/>
           </a:xfrm>
           <a:prstGeom prst="rect">
             <a:avLst/>
@@ -8546,6 +8546,64 @@
           </a:p>
         </p:txBody>
       </p:sp>
+      <p:pic>
+        <p:nvPicPr>
+          <p:cNvPr id="4" name="Picture 3">
+            <a:extLst>
+              <a:ext uri="{FF2B5EF4-FFF2-40B4-BE49-F238E27FC236}">
+                <a16:creationId xmlns:a16="http://schemas.microsoft.com/office/drawing/2014/main" id="{7625F079-EA90-164A-9B25-68C07A11B6D9}"/>
+              </a:ext>
+            </a:extLst>
+          </p:cNvPr>
+          <p:cNvPicPr>
+            <a:picLocks noChangeAspect="1"/>
+          </p:cNvPicPr>
+          <p:nvPr/>
+        </p:nvPicPr>
+        <p:blipFill rotWithShape="1">
+          <a:blip r:embed="rId3"/>
+          <a:srcRect r="6817" b="23103"/>
+          <a:stretch/>
+        </p:blipFill>
+        <p:spPr>
+          <a:xfrm>
+            <a:off x="311700" y="2571750"/>
+            <a:ext cx="8520600" cy="1962262"/>
+          </a:xfrm>
+          <a:prstGeom prst="rect">
+            <a:avLst/>
+          </a:prstGeom>
+        </p:spPr>
+      </p:pic>
+      <p:pic>
+        <p:nvPicPr>
+          <p:cNvPr id="3" name="Picture 2">
+            <a:extLst>
+              <a:ext uri="{FF2B5EF4-FFF2-40B4-BE49-F238E27FC236}">
+                <a16:creationId xmlns:a16="http://schemas.microsoft.com/office/drawing/2014/main" id="{9D12CB0C-5A32-2A46-B332-05EB4E2BB9AE}"/>
+              </a:ext>
+            </a:extLst>
+          </p:cNvPr>
+          <p:cNvPicPr>
+            <a:picLocks noChangeAspect="1"/>
+          </p:cNvPicPr>
+          <p:nvPr/>
+        </p:nvPicPr>
+        <p:blipFill rotWithShape="1">
+          <a:blip r:embed="rId4"/>
+          <a:srcRect t="9696" b="6676"/>
+          <a:stretch/>
+        </p:blipFill>
+        <p:spPr>
+          <a:xfrm>
+            <a:off x="5390707" y="609488"/>
+            <a:ext cx="3420328" cy="2200941"/>
+          </a:xfrm>
+          <a:prstGeom prst="rect">
+            <a:avLst/>
+          </a:prstGeom>
+        </p:spPr>
+      </p:pic>
     </p:spTree>
   </p:cSld>
   <p:clrMapOvr>
@@ -8658,6 +8716,72 @@
           </a:p>
         </p:txBody>
       </p:sp>
+      <p:pic>
+        <p:nvPicPr>
+          <p:cNvPr id="6" name="Picture 5">
+            <a:extLst>
+              <a:ext uri="{FF2B5EF4-FFF2-40B4-BE49-F238E27FC236}">
+                <a16:creationId xmlns:a16="http://schemas.microsoft.com/office/drawing/2014/main" id="{864D98B4-E3E2-C343-8295-226728A236BA}"/>
+              </a:ext>
+            </a:extLst>
+          </p:cNvPr>
+          <p:cNvPicPr/>
+          <p:nvPr/>
+        </p:nvPicPr>
+        <p:blipFill rotWithShape="1">
+          <a:blip r:embed="rId3" cstate="print">
+            <a:extLst>
+              <a:ext uri="{28A0092B-C50C-407E-A947-70E740481C1C}">
+                <a14:useLocalDpi xmlns:a14="http://schemas.microsoft.com/office/drawing/2010/main" val="0"/>
+              </a:ext>
+            </a:extLst>
+          </a:blip>
+          <a:srcRect r="25266"/>
+          <a:stretch/>
+        </p:blipFill>
+        <p:spPr>
+          <a:xfrm>
+            <a:off x="356525" y="2338194"/>
+            <a:ext cx="5092168" cy="1296670"/>
+          </a:xfrm>
+          <a:prstGeom prst="rect">
+            <a:avLst/>
+          </a:prstGeom>
+        </p:spPr>
+      </p:pic>
+      <p:pic>
+        <p:nvPicPr>
+          <p:cNvPr id="7" name="Picture 6">
+            <a:extLst>
+              <a:ext uri="{FF2B5EF4-FFF2-40B4-BE49-F238E27FC236}">
+                <a16:creationId xmlns:a16="http://schemas.microsoft.com/office/drawing/2014/main" id="{DFE0BC4B-8306-2140-A15D-9570577E14FB}"/>
+              </a:ext>
+            </a:extLst>
+          </p:cNvPr>
+          <p:cNvPicPr/>
+          <p:nvPr/>
+        </p:nvPicPr>
+        <p:blipFill rotWithShape="1">
+          <a:blip r:embed="rId4" cstate="print">
+            <a:extLst>
+              <a:ext uri="{28A0092B-C50C-407E-A947-70E740481C1C}">
+                <a14:useLocalDpi xmlns:a14="http://schemas.microsoft.com/office/drawing/2010/main" val="0"/>
+              </a:ext>
+            </a:extLst>
+          </a:blip>
+          <a:srcRect r="25266"/>
+          <a:stretch/>
+        </p:blipFill>
+        <p:spPr>
+          <a:xfrm>
+            <a:off x="356525" y="3674532"/>
+            <a:ext cx="5092168" cy="527050"/>
+          </a:xfrm>
+          <a:prstGeom prst="rect">
+            <a:avLst/>
+          </a:prstGeom>
+        </p:spPr>
+      </p:pic>
     </p:spTree>
   </p:cSld>
   <p:clrMapOvr>

--- a/milestone2presentation.pptx
+++ b/milestone2presentation.pptx
@@ -9228,8 +9228,8 @@
         </p:nvSpPr>
         <p:spPr>
           <a:xfrm>
-            <a:off x="390616" y="1123343"/>
-            <a:ext cx="8113373" cy="3339000"/>
+            <a:off x="311700" y="928035"/>
+            <a:ext cx="8246374" cy="3093550"/>
           </a:xfrm>
           <a:prstGeom prst="rect">
             <a:avLst/>
@@ -9241,16 +9241,72 @@
           </a:bodyPr>
           <a:lstStyle/>
           <a:p>
-            <a:pPr marL="0" lvl="0" indent="0" algn="l" rtl="0">
+            <a:pPr marL="285750" indent="-285750">
               <a:spcBef>
                 <a:spcPts val="1600"/>
               </a:spcBef>
               <a:spcAft>
                 <a:spcPts val="1600"/>
               </a:spcAft>
-              <a:buNone/>
+              <a:buFontTx/>
+              <a:buChar char="-"/>
             </a:pPr>
-            <a:endParaRPr dirty="0"/>
+            <a:r>
+              <a:rPr lang="en-US" sz="1200" dirty="0"/>
+              <a:t>We faced lot of challenges surrounding the infrastructure and using several tools for the first time while doing this android application testing.</a:t>
+            </a:r>
+          </a:p>
+          <a:p>
+            <a:pPr marL="285750" indent="-285750">
+              <a:spcBef>
+                <a:spcPts val="1600"/>
+              </a:spcBef>
+              <a:spcAft>
+                <a:spcPts val="1600"/>
+              </a:spcAft>
+              <a:buFontTx/>
+              <a:buChar char="-"/>
+            </a:pPr>
+            <a:r>
+              <a:rPr lang="en-US" sz="1200" dirty="0"/>
+              <a:t>Understood and utilized the use of mock objects, fake objects and then how to control the behavior of the mocks to test for all possible cases.</a:t>
+            </a:r>
+          </a:p>
+          <a:p>
+            <a:pPr marL="285750" lvl="0" indent="-285750">
+              <a:spcBef>
+                <a:spcPts val="1600"/>
+              </a:spcBef>
+              <a:spcAft>
+                <a:spcPts val="1600"/>
+              </a:spcAft>
+              <a:buFontTx/>
+              <a:buChar char="-"/>
+            </a:pPr>
+            <a:r>
+              <a:rPr lang="en-US" sz="1200" dirty="0"/>
+              <a:t>Another learning was to understand how to trigger and build test cases for the entire project.</a:t>
+            </a:r>
+          </a:p>
+          <a:p>
+            <a:pPr marL="285750" lvl="0" indent="-285750">
+              <a:spcBef>
+                <a:spcPts val="1600"/>
+              </a:spcBef>
+              <a:spcAft>
+                <a:spcPts val="1600"/>
+              </a:spcAft>
+              <a:buFontTx/>
+              <a:buChar char="-"/>
+            </a:pPr>
+            <a:r>
+              <a:rPr lang="en-US" sz="1200" dirty="0"/>
+              <a:t>Also, we learnt that tests are not a cover for badly written code. We had to change several classes to get them to be test compatible</a:t>
+            </a:r>
+            <a:r>
+              <a:rPr lang="en-US" sz="1400" dirty="0"/>
+              <a:t>.</a:t>
+            </a:r>
           </a:p>
         </p:txBody>
       </p:sp>
